--- a/Workshop_6/workshop_6.pptx
+++ b/Workshop_6/workshop_6.pptx
@@ -5,7 +5,7 @@
     <p:sldMasterId id="2147483648" r:id="rId1"/>
   </p:sldMasterIdLst>
   <p:notesMasterIdLst>
-    <p:notesMasterId r:id="rId16"/>
+    <p:notesMasterId r:id="rId15"/>
   </p:notesMasterIdLst>
   <p:sldIdLst>
     <p:sldId id="267" r:id="rId2"/>
@@ -21,7 +21,6 @@
     <p:sldId id="275" r:id="rId12"/>
     <p:sldId id="265" r:id="rId13"/>
     <p:sldId id="266" r:id="rId14"/>
-    <p:sldId id="261" r:id="rId15"/>
   </p:sldIdLst>
   <p:sldSz cx="12192000" cy="6858000"/>
   <p:notesSz cx="6858000" cy="9144000"/>
@@ -4038,8 +4037,40 @@
           <a:lstStyle/>
           <a:p>
             <a:r>
-              <a:rPr lang="en-US" smtClean="0"/>
-              <a:t>github</a:t>
+              <a:rPr lang="en-US" dirty="0" smtClean="0"/>
+              <a:t>A hash is a string or number generated from a string of text. The resulting string or number is a fixed length, and will vary widely with small variations in input. </a:t>
+            </a:r>
+            <a:r>
+              <a:rPr lang="en-US" dirty="0" smtClean="0"/>
+              <a:t>multiple inputs can have same hash value. so it’s no use that we know the hash value,</a:t>
+            </a:r>
+            <a:r>
+              <a:rPr lang="en-US" baseline="0" dirty="0" smtClean="0"/>
+              <a:t> we cannot know the exact input. But it doesn’t matter. We just need to find something that can produce the same hash value, which is also called collision. </a:t>
+            </a:r>
+            <a:r>
+              <a:rPr lang="en-US" dirty="0" smtClean="0"/>
+              <a:t>how does computer verify the user? They compare hash values.</a:t>
+            </a:r>
+            <a:r>
+              <a:rPr lang="en-US" baseline="0" dirty="0" smtClean="0"/>
+              <a:t> Hash is a one-way function while encryption is two </a:t>
+            </a:r>
+            <a:r>
+              <a:rPr lang="mr-IN" baseline="0" dirty="0" smtClean="0"/>
+              <a:t>–</a:t>
+            </a:r>
+            <a:r>
+              <a:rPr lang="en-US" baseline="0" dirty="0" smtClean="0"/>
+              <a:t>way </a:t>
+            </a:r>
+            <a:r>
+              <a:rPr lang="en-US" baseline="0" dirty="0" err="1" smtClean="0"/>
+              <a:t>funciton</a:t>
+            </a:r>
+            <a:r>
+              <a:rPr lang="en-US" baseline="0" dirty="0" smtClean="0"/>
+              <a:t>.</a:t>
             </a:r>
             <a:endParaRPr lang="en-US" dirty="0"/>
           </a:p>
@@ -4063,7 +4094,7 @@
             <a:fld id="{B0ACC199-40E3-9B48-923E-A314192465E1}" type="slidenum">
               <a:rPr lang="en-US" smtClean="0"/>
               <a:pPr/>
-              <a:t>14</a:t>
+              <a:t>10</a:t>
             </a:fld>
             <a:endParaRPr lang="en-US"/>
           </a:p>
@@ -4072,7 +4103,7 @@
     </p:spTree>
     <p:extLst>
       <p:ext uri="{BB962C8B-B14F-4D97-AF65-F5344CB8AC3E}">
-        <p14:creationId xmlns:p14="http://schemas.microsoft.com/office/powerpoint/2010/main" val="2036079461"/>
+        <p14:creationId xmlns:p14="http://schemas.microsoft.com/office/powerpoint/2010/main" val="639514341"/>
       </p:ext>
     </p:extLst>
   </p:cSld>
@@ -7085,6 +7116,44 @@
       </p:grpSpPr>
       <p:sp>
         <p:nvSpPr>
+          <p:cNvPr id="4" name="Rectangle 3"/>
+          <p:cNvSpPr/>
+          <p:nvPr/>
+        </p:nvSpPr>
+        <p:spPr>
+          <a:xfrm>
+            <a:off x="1733550" y="1325563"/>
+            <a:ext cx="8658225" cy="5145087"/>
+          </a:xfrm>
+          <a:prstGeom prst="rect">
+            <a:avLst/>
+          </a:prstGeom>
+        </p:spPr>
+        <p:style>
+          <a:lnRef idx="2">
+            <a:schemeClr val="accent6"/>
+          </a:lnRef>
+          <a:fillRef idx="1">
+            <a:schemeClr val="lt1"/>
+          </a:fillRef>
+          <a:effectRef idx="0">
+            <a:schemeClr val="accent6"/>
+          </a:effectRef>
+          <a:fontRef idx="minor">
+            <a:schemeClr val="dk1"/>
+          </a:fontRef>
+        </p:style>
+        <p:txBody>
+          <a:bodyPr rtlCol="0" anchor="ctr"/>
+          <a:lstStyle/>
+          <a:p>
+            <a:pPr algn="ctr"/>
+            <a:endParaRPr lang="en-US"/>
+          </a:p>
+        </p:txBody>
+      </p:sp>
+      <p:sp>
+        <p:nvSpPr>
           <p:cNvPr id="2" name="Title 1"/>
           <p:cNvSpPr>
             <a:spLocks noGrp="1"/>
@@ -7093,64 +7162,64 @@
             <p:ph type="title"/>
           </p:nvPr>
         </p:nvSpPr>
-        <p:spPr/>
+        <p:spPr>
+          <a:xfrm>
+            <a:off x="838200" y="0"/>
+            <a:ext cx="10515600" cy="1325563"/>
+          </a:xfrm>
+        </p:spPr>
         <p:txBody>
           <a:bodyPr/>
           <a:lstStyle/>
           <a:p>
             <a:r>
-              <a:rPr lang="en-US" dirty="0" smtClean="0"/>
-              <a:t>Modern cryptography</a:t>
-            </a:r>
-            <a:endParaRPr lang="en-US" dirty="0"/>
-          </a:p>
-        </p:txBody>
-      </p:sp>
-      <p:sp>
-        <p:nvSpPr>
-          <p:cNvPr id="3" name="Content Placeholder 2"/>
-          <p:cNvSpPr>
-            <a:spLocks noGrp="1"/>
-          </p:cNvSpPr>
-          <p:nvPr>
-            <p:ph idx="1"/>
-          </p:nvPr>
-        </p:nvSpPr>
-        <p:spPr/>
-        <p:txBody>
-          <a:bodyPr/>
-          <a:lstStyle/>
-          <a:p>
-            <a:r>
               <a:rPr lang="en-US" dirty="0"/>
-              <a:t>Hash </a:t>
-            </a:r>
-            <a:r>
-              <a:rPr lang="en-US" dirty="0" smtClean="0"/>
-              <a:t>Function</a:t>
-            </a:r>
-          </a:p>
-          <a:p>
-            <a:endParaRPr lang="en-US" dirty="0"/>
-          </a:p>
-          <a:p>
-            <a:endParaRPr lang="en-US" dirty="0" smtClean="0"/>
-          </a:p>
-          <a:p>
-            <a:endParaRPr lang="en-US" dirty="0"/>
-          </a:p>
-          <a:p>
-            <a:endParaRPr lang="en-US" dirty="0" smtClean="0"/>
-          </a:p>
-          <a:p>
-            <a:r>
-              <a:rPr lang="en-US" dirty="0" smtClean="0"/>
-              <a:t>Hash VS cryptography</a:t>
-            </a:r>
-            <a:endParaRPr lang="en-US" dirty="0"/>
-          </a:p>
-        </p:txBody>
-      </p:sp>
+              <a:t>Hash Function</a:t>
+            </a:r>
+          </a:p>
+        </p:txBody>
+      </p:sp>
+      <p:pic>
+        <p:nvPicPr>
+          <p:cNvPr id="3076" name="Picture 4" descr="https://upload.wikimedia.org/wikipedia/commons/thumb/2/2b/Cryptographic_Hash_Function.svg/740px-Cryptographic_Hash_Function.svg.png"/>
+          <p:cNvPicPr>
+            <a:picLocks noChangeAspect="1" noChangeArrowheads="1"/>
+          </p:cNvPicPr>
+          <p:nvPr/>
+        </p:nvPicPr>
+        <p:blipFill>
+          <a:blip r:embed="rId3">
+            <a:extLst>
+              <a:ext uri="{28A0092B-C50C-407E-A947-70E740481C1C}">
+                <a14:useLocalDpi xmlns:a14="http://schemas.microsoft.com/office/drawing/2010/main" val="0"/>
+              </a:ext>
+            </a:extLst>
+          </a:blip>
+          <a:srcRect/>
+          <a:stretch>
+            <a:fillRect/>
+          </a:stretch>
+        </p:blipFill>
+        <p:spPr bwMode="auto">
+          <a:xfrm>
+            <a:off x="2571750" y="1365250"/>
+            <a:ext cx="7048500" cy="5105400"/>
+          </a:xfrm>
+          <a:prstGeom prst="rect">
+            <a:avLst/>
+          </a:prstGeom>
+          <a:noFill/>
+          <a:extLst>
+            <a:ext uri="{909E8E84-426E-40DD-AFC4-6F175D3DCCD1}">
+              <a14:hiddenFill xmlns:a14="http://schemas.microsoft.com/office/drawing/2010/main">
+                <a:solidFill>
+                  <a:srgbClr val="FFFFFF"/>
+                </a:solidFill>
+              </a14:hiddenFill>
+            </a:ext>
+          </a:extLst>
+        </p:spPr>
+      </p:pic>
     </p:spTree>
     <p:extLst>
       <p:ext uri="{BB962C8B-B14F-4D97-AF65-F5344CB8AC3E}">
@@ -7197,35 +7266,92 @@
           <a:lstStyle/>
           <a:p>
             <a:r>
-              <a:rPr lang="en-US" dirty="0" smtClean="0"/>
-              <a:t>Modern cryptography</a:t>
-            </a:r>
-            <a:endParaRPr lang="en-US" dirty="0"/>
-          </a:p>
-        </p:txBody>
-      </p:sp>
-      <p:sp>
-        <p:nvSpPr>
-          <p:cNvPr id="3" name="Content Placeholder 2"/>
-          <p:cNvSpPr>
-            <a:spLocks noGrp="1"/>
-          </p:cNvSpPr>
-          <p:nvPr>
-            <p:ph idx="1"/>
-          </p:nvPr>
-        </p:nvSpPr>
-        <p:spPr/>
-        <p:txBody>
-          <a:bodyPr/>
-          <a:lstStyle/>
-          <a:p>
-            <a:r>
               <a:rPr lang="en-US" dirty="0"/>
               <a:t>Digital Signature</a:t>
             </a:r>
-          </a:p>
-        </p:txBody>
-      </p:sp>
+            <a:endParaRPr lang="en-US" dirty="0"/>
+          </a:p>
+        </p:txBody>
+      </p:sp>
+      <p:sp>
+        <p:nvSpPr>
+          <p:cNvPr id="4" name="Rectangle 3"/>
+          <p:cNvSpPr/>
+          <p:nvPr/>
+        </p:nvSpPr>
+        <p:spPr>
+          <a:xfrm>
+            <a:off x="1284153" y="1312069"/>
+            <a:ext cx="9588635" cy="5374481"/>
+          </a:xfrm>
+          <a:prstGeom prst="rect">
+            <a:avLst/>
+          </a:prstGeom>
+        </p:spPr>
+        <p:style>
+          <a:lnRef idx="2">
+            <a:schemeClr val="accent6"/>
+          </a:lnRef>
+          <a:fillRef idx="1">
+            <a:schemeClr val="lt1"/>
+          </a:fillRef>
+          <a:effectRef idx="0">
+            <a:schemeClr val="accent6"/>
+          </a:effectRef>
+          <a:fontRef idx="minor">
+            <a:schemeClr val="dk1"/>
+          </a:fontRef>
+        </p:style>
+        <p:txBody>
+          <a:bodyPr rtlCol="0" anchor="ctr"/>
+          <a:lstStyle/>
+          <a:p>
+            <a:pPr algn="ctr"/>
+            <a:endParaRPr lang="en-US"/>
+          </a:p>
+        </p:txBody>
+      </p:sp>
+      <p:pic>
+        <p:nvPicPr>
+          <p:cNvPr id="4100" name="Picture 4" descr="elated image"/>
+          <p:cNvPicPr>
+            <a:picLocks noChangeAspect="1" noChangeArrowheads="1"/>
+          </p:cNvPicPr>
+          <p:nvPr/>
+        </p:nvPicPr>
+        <p:blipFill>
+          <a:blip r:embed="rId2">
+            <a:extLst>
+              <a:ext uri="{28A0092B-C50C-407E-A947-70E740481C1C}">
+                <a14:useLocalDpi xmlns:a14="http://schemas.microsoft.com/office/drawing/2010/main" val="0"/>
+              </a:ext>
+            </a:extLst>
+          </a:blip>
+          <a:srcRect/>
+          <a:stretch>
+            <a:fillRect/>
+          </a:stretch>
+        </p:blipFill>
+        <p:spPr bwMode="auto">
+          <a:xfrm>
+            <a:off x="1284153" y="1690688"/>
+            <a:ext cx="9664547" cy="4610100"/>
+          </a:xfrm>
+          <a:prstGeom prst="rect">
+            <a:avLst/>
+          </a:prstGeom>
+          <a:noFill/>
+          <a:extLst>
+            <a:ext uri="{909E8E84-426E-40DD-AFC4-6F175D3DCCD1}">
+              <a14:hiddenFill xmlns:a14="http://schemas.microsoft.com/office/drawing/2010/main">
+                <a:solidFill>
+                  <a:srgbClr val="FFFFFF"/>
+                </a:solidFill>
+              </a14:hiddenFill>
+            </a:ext>
+          </a:extLst>
+        </p:spPr>
+      </p:pic>
     </p:spTree>
     <p:extLst>
       <p:ext uri="{BB962C8B-B14F-4D97-AF65-F5344CB8AC3E}">
@@ -7381,7 +7507,6 @@
               <a:rPr lang="en-US" dirty="0" smtClean="0"/>
               <a:t>krypton challenges</a:t>
             </a:r>
-            <a:endParaRPr lang="en-US" dirty="0" smtClean="0"/>
           </a:p>
           <a:p>
             <a:endParaRPr lang="en-US" dirty="0"/>
@@ -7399,7 +7524,6 @@
               <a:rPr lang="en-US" dirty="0"/>
               <a:t>/wargames/krypton/</a:t>
             </a:r>
-            <a:endParaRPr lang="en-US" dirty="0"/>
           </a:p>
         </p:txBody>
       </p:sp>
@@ -7407,90 +7531,6 @@
     <p:extLst>
       <p:ext uri="{BB962C8B-B14F-4D97-AF65-F5344CB8AC3E}">
         <p14:creationId xmlns:p14="http://schemas.microsoft.com/office/powerpoint/2010/main" val="1189825030"/>
-      </p:ext>
-    </p:extLst>
-  </p:cSld>
-  <p:clrMapOvr>
-    <a:masterClrMapping/>
-  </p:clrMapOvr>
-</p:sld>
-</file>
-
-<file path=ppt/slides/slide14.xml><?xml version="1.0" encoding="utf-8"?>
-<p:sld xmlns:a="http://schemas.openxmlformats.org/drawingml/2006/main" xmlns:r="http://schemas.openxmlformats.org/officeDocument/2006/relationships" xmlns:p="http://schemas.openxmlformats.org/presentationml/2006/main">
-  <p:cSld>
-    <p:spTree>
-      <p:nvGrpSpPr>
-        <p:cNvPr id="1" name=""/>
-        <p:cNvGrpSpPr/>
-        <p:nvPr/>
-      </p:nvGrpSpPr>
-      <p:grpSpPr>
-        <a:xfrm>
-          <a:off x="0" y="0"/>
-          <a:ext cx="0" cy="0"/>
-          <a:chOff x="0" y="0"/>
-          <a:chExt cx="0" cy="0"/>
-        </a:xfrm>
-      </p:grpSpPr>
-      <p:sp>
-        <p:nvSpPr>
-          <p:cNvPr id="2" name="Title 1"/>
-          <p:cNvSpPr>
-            <a:spLocks noGrp="1"/>
-          </p:cNvSpPr>
-          <p:nvPr>
-            <p:ph type="title"/>
-          </p:nvPr>
-        </p:nvSpPr>
-        <p:spPr/>
-        <p:txBody>
-          <a:bodyPr/>
-          <a:lstStyle/>
-          <a:p>
-            <a:r>
-              <a:rPr lang="en-US" dirty="0" smtClean="0"/>
-              <a:t>Resources</a:t>
-            </a:r>
-            <a:endParaRPr lang="en-US" dirty="0"/>
-          </a:p>
-        </p:txBody>
-      </p:sp>
-      <p:sp>
-        <p:nvSpPr>
-          <p:cNvPr id="3" name="Content Placeholder 2"/>
-          <p:cNvSpPr>
-            <a:spLocks noGrp="1"/>
-          </p:cNvSpPr>
-          <p:nvPr>
-            <p:ph idx="1"/>
-          </p:nvPr>
-        </p:nvSpPr>
-        <p:spPr/>
-        <p:txBody>
-          <a:bodyPr/>
-          <a:lstStyle/>
-          <a:p>
-            <a:r>
-              <a:rPr lang="en-US" dirty="0" smtClean="0"/>
-              <a:t>List of commands</a:t>
-            </a:r>
-          </a:p>
-          <a:p>
-            <a:r>
-              <a:rPr lang="en-US" dirty="0" smtClean="0"/>
-              <a:t>Tools </a:t>
-            </a:r>
-          </a:p>
-          <a:p>
-            <a:endParaRPr lang="en-US" dirty="0"/>
-          </a:p>
-        </p:txBody>
-      </p:sp>
-    </p:spTree>
-    <p:extLst>
-      <p:ext uri="{BB962C8B-B14F-4D97-AF65-F5344CB8AC3E}">
-        <p14:creationId xmlns:p14="http://schemas.microsoft.com/office/powerpoint/2010/main" val="1684926052"/>
       </p:ext>
     </p:extLst>
   </p:cSld>
@@ -8277,7 +8317,7 @@
         </p:blipFill>
         <p:spPr bwMode="auto">
           <a:xfrm>
-            <a:off x="5305425" y="365125"/>
+            <a:off x="5505450" y="365125"/>
             <a:ext cx="6048375" cy="6048375"/>
           </a:xfrm>
           <a:prstGeom prst="rect">
@@ -8449,7 +8489,12 @@
             <p:ph type="title"/>
           </p:nvPr>
         </p:nvSpPr>
-        <p:spPr/>
+        <p:spPr>
+          <a:xfrm>
+            <a:off x="838200" y="179385"/>
+            <a:ext cx="10515600" cy="1325563"/>
+          </a:xfrm>
+        </p:spPr>
         <p:txBody>
           <a:bodyPr/>
           <a:lstStyle/>
@@ -8476,7 +8521,12 @@
             <p:ph idx="1"/>
           </p:nvPr>
         </p:nvSpPr>
-        <p:spPr/>
+        <p:spPr>
+          <a:xfrm>
+            <a:off x="838200" y="1325547"/>
+            <a:ext cx="10515600" cy="4351338"/>
+          </a:xfrm>
+        </p:spPr>
         <p:txBody>
           <a:bodyPr/>
           <a:lstStyle/>
@@ -8513,28 +8563,89 @@
               <a:rPr lang="en-US" dirty="0" smtClean="0"/>
               <a:t>.</a:t>
             </a:r>
-          </a:p>
-          <a:p>
             <a:endParaRPr lang="en-US" dirty="0"/>
           </a:p>
-          <a:p>
-            <a:r>
-              <a:rPr lang="en-US" dirty="0" smtClean="0"/>
-              <a:t>Block Cipher</a:t>
-            </a:r>
-          </a:p>
-          <a:p>
-            <a:r>
-              <a:rPr lang="en-US" dirty="0" smtClean="0"/>
-              <a:t>Stream </a:t>
-            </a:r>
-            <a:r>
-              <a:rPr lang="en-US" dirty="0"/>
-              <a:t>Cipher</a:t>
-            </a:r>
-          </a:p>
-        </p:txBody>
-      </p:sp>
+        </p:txBody>
+      </p:sp>
+      <p:sp>
+        <p:nvSpPr>
+          <p:cNvPr id="4" name="Rectangle 3"/>
+          <p:cNvSpPr/>
+          <p:nvPr/>
+        </p:nvSpPr>
+        <p:spPr>
+          <a:xfrm>
+            <a:off x="1621629" y="2400301"/>
+            <a:ext cx="8722521" cy="4086224"/>
+          </a:xfrm>
+          <a:prstGeom prst="rect">
+            <a:avLst/>
+          </a:prstGeom>
+        </p:spPr>
+        <p:style>
+          <a:lnRef idx="2">
+            <a:schemeClr val="accent6"/>
+          </a:lnRef>
+          <a:fillRef idx="1">
+            <a:schemeClr val="lt1"/>
+          </a:fillRef>
+          <a:effectRef idx="0">
+            <a:schemeClr val="accent6"/>
+          </a:effectRef>
+          <a:fontRef idx="minor">
+            <a:schemeClr val="dk1"/>
+          </a:fontRef>
+        </p:style>
+        <p:txBody>
+          <a:bodyPr rtlCol="0" anchor="ctr"/>
+          <a:lstStyle/>
+          <a:p>
+            <a:pPr algn="ctr"/>
+            <a:endParaRPr lang="en-US"/>
+          </a:p>
+        </p:txBody>
+      </p:sp>
+      <p:pic>
+        <p:nvPicPr>
+          <p:cNvPr id="1028" name="Picture 4" descr="mage result for asymmetric cryptography"/>
+          <p:cNvPicPr>
+            <a:picLocks noChangeAspect="1" noChangeArrowheads="1"/>
+          </p:cNvPicPr>
+          <p:nvPr/>
+        </p:nvPicPr>
+        <p:blipFill>
+          <a:blip r:embed="rId2">
+            <a:extLst>
+              <a:ext uri="{28A0092B-C50C-407E-A947-70E740481C1C}">
+                <a14:useLocalDpi xmlns:a14="http://schemas.microsoft.com/office/drawing/2010/main" val="0"/>
+              </a:ext>
+            </a:extLst>
+          </a:blip>
+          <a:srcRect/>
+          <a:stretch>
+            <a:fillRect/>
+          </a:stretch>
+        </p:blipFill>
+        <p:spPr bwMode="auto">
+          <a:xfrm>
+            <a:off x="2550317" y="2651110"/>
+            <a:ext cx="6629400" cy="3314700"/>
+          </a:xfrm>
+          <a:prstGeom prst="rect">
+            <a:avLst/>
+          </a:prstGeom>
+          <a:noFill/>
+          <a:extLst>
+            <a:ext uri="{909E8E84-426E-40DD-AFC4-6F175D3DCCD1}">
+              <a14:hiddenFill xmlns:a14="http://schemas.microsoft.com/office/drawing/2010/main">
+                <a:solidFill>
+                  <a:srgbClr val="FFFFFF"/>
+                </a:solidFill>
+              </a14:hiddenFill>
+            </a:ext>
+          </a:extLst>
+        </p:spPr>
+      </p:pic>
     </p:spTree>
     <p:extLst>
       <p:ext uri="{BB962C8B-B14F-4D97-AF65-F5344CB8AC3E}">
@@ -8584,7 +8695,6 @@
               <a:rPr lang="en-US" dirty="0"/>
               <a:t>Asymmetric Cryptography</a:t>
             </a:r>
-            <a:endParaRPr lang="en-US" dirty="0"/>
           </a:p>
         </p:txBody>
       </p:sp>
@@ -8598,18 +8708,103 @@
             <p:ph idx="1"/>
           </p:nvPr>
         </p:nvSpPr>
-        <p:spPr/>
+        <p:spPr>
+          <a:xfrm>
+            <a:off x="838200" y="1425576"/>
+            <a:ext cx="10515600" cy="4351338"/>
+          </a:xfrm>
+        </p:spPr>
         <p:txBody>
           <a:bodyPr/>
           <a:lstStyle/>
           <a:p>
             <a:r>
-              <a:rPr lang="en-US" dirty="0"/>
-              <a:t>Asymmetric Cryptography</a:t>
-            </a:r>
-          </a:p>
-        </p:txBody>
-      </p:sp>
+              <a:rPr lang="en-US" altLang="zh-CN" dirty="0" smtClean="0"/>
+              <a:t>Need a pair of public and private keys</a:t>
+            </a:r>
+            <a:endParaRPr lang="en-US" dirty="0" smtClean="0"/>
+          </a:p>
+        </p:txBody>
+      </p:sp>
+      <p:sp>
+        <p:nvSpPr>
+          <p:cNvPr id="4" name="Rectangle 3"/>
+          <p:cNvSpPr/>
+          <p:nvPr/>
+        </p:nvSpPr>
+        <p:spPr>
+          <a:xfrm>
+            <a:off x="1543050" y="2071688"/>
+            <a:ext cx="8929688" cy="4386262"/>
+          </a:xfrm>
+          <a:prstGeom prst="rect">
+            <a:avLst/>
+          </a:prstGeom>
+        </p:spPr>
+        <p:style>
+          <a:lnRef idx="2">
+            <a:schemeClr val="accent6"/>
+          </a:lnRef>
+          <a:fillRef idx="1">
+            <a:schemeClr val="lt1"/>
+          </a:fillRef>
+          <a:effectRef idx="0">
+            <a:schemeClr val="accent6"/>
+          </a:effectRef>
+          <a:fontRef idx="minor">
+            <a:schemeClr val="dk1"/>
+          </a:fontRef>
+        </p:style>
+        <p:txBody>
+          <a:bodyPr rtlCol="0" anchor="ctr"/>
+          <a:lstStyle/>
+          <a:p>
+            <a:pPr algn="ctr"/>
+            <a:endParaRPr lang="en-US"/>
+          </a:p>
+        </p:txBody>
+      </p:sp>
+      <p:pic>
+        <p:nvPicPr>
+          <p:cNvPr id="2052" name="Picture 4" descr="elated image"/>
+          <p:cNvPicPr>
+            <a:picLocks noChangeAspect="1" noChangeArrowheads="1"/>
+          </p:cNvPicPr>
+          <p:nvPr/>
+        </p:nvPicPr>
+        <p:blipFill>
+          <a:blip r:embed="rId2">
+            <a:extLst>
+              <a:ext uri="{28A0092B-C50C-407E-A947-70E740481C1C}">
+                <a14:useLocalDpi xmlns:a14="http://schemas.microsoft.com/office/drawing/2010/main" val="0"/>
+              </a:ext>
+            </a:extLst>
+          </a:blip>
+          <a:srcRect/>
+          <a:stretch>
+            <a:fillRect/>
+          </a:stretch>
+        </p:blipFill>
+        <p:spPr bwMode="auto">
+          <a:xfrm>
+            <a:off x="2343154" y="2302669"/>
+            <a:ext cx="7367586" cy="3683793"/>
+          </a:xfrm>
+          <a:prstGeom prst="rect">
+            <a:avLst/>
+          </a:prstGeom>
+          <a:noFill/>
+          <a:extLst>
+            <a:ext uri="{909E8E84-426E-40DD-AFC4-6F175D3DCCD1}">
+              <a14:hiddenFill xmlns:a14="http://schemas.microsoft.com/office/drawing/2010/main">
+                <a:solidFill>
+                  <a:srgbClr val="FFFFFF"/>
+                </a:solidFill>
+              </a14:hiddenFill>
+            </a:ext>
+          </a:extLst>
+        </p:spPr>
+      </p:pic>
     </p:spTree>
     <p:extLst>
       <p:ext uri="{BB962C8B-B14F-4D97-AF65-F5344CB8AC3E}">
